--- a/doc/admin/G12-傢俱查詢網.pptx
+++ b/doc/admin/G12-傢俱查詢網.pptx
@@ -9,17 +9,19 @@
     <p:sldId id="257" r:id="rId3"/>
     <p:sldId id="265" r:id="rId4"/>
     <p:sldId id="259" r:id="rId5"/>
-    <p:sldId id="264" r:id="rId6"/>
-    <p:sldId id="261" r:id="rId7"/>
-    <p:sldId id="266" r:id="rId8"/>
-    <p:sldId id="267" r:id="rId9"/>
-    <p:sldId id="262" r:id="rId10"/>
-    <p:sldId id="268" r:id="rId11"/>
-    <p:sldId id="269" r:id="rId12"/>
-    <p:sldId id="270" r:id="rId13"/>
-    <p:sldId id="271" r:id="rId14"/>
-    <p:sldId id="273" r:id="rId15"/>
-    <p:sldId id="272" r:id="rId16"/>
+    <p:sldId id="274" r:id="rId6"/>
+    <p:sldId id="264" r:id="rId7"/>
+    <p:sldId id="275" r:id="rId8"/>
+    <p:sldId id="261" r:id="rId9"/>
+    <p:sldId id="266" r:id="rId10"/>
+    <p:sldId id="267" r:id="rId11"/>
+    <p:sldId id="262" r:id="rId12"/>
+    <p:sldId id="268" r:id="rId13"/>
+    <p:sldId id="269" r:id="rId14"/>
+    <p:sldId id="270" r:id="rId15"/>
+    <p:sldId id="271" r:id="rId16"/>
+    <p:sldId id="273" r:id="rId17"/>
+    <p:sldId id="272" r:id="rId18"/>
   </p:sldIdLst>
   <p:sldSz cx="9144000" cy="6858000" type="screen4x3"/>
   <p:notesSz cx="6858000" cy="9144000"/>
@@ -505,7 +507,7 @@
           <a:p>
             <a:fld id="{A7FE59BB-D4C5-425E-89C3-8768E5350534}" type="datetimeFigureOut">
               <a:rPr lang="zh-TW" altLang="en-US" smtClean="0"/>
-              <a:t>2019/1/7</a:t>
+              <a:t>2019/5/19</a:t>
             </a:fld>
             <a:endParaRPr lang="zh-TW" altLang="en-US"/>
           </a:p>
@@ -670,7 +672,7 @@
           <a:p>
             <a:fld id="{A7FE59BB-D4C5-425E-89C3-8768E5350534}" type="datetimeFigureOut">
               <a:rPr lang="zh-TW" altLang="en-US" smtClean="0"/>
-              <a:t>2019/1/7</a:t>
+              <a:t>2019/5/19</a:t>
             </a:fld>
             <a:endParaRPr lang="zh-TW" altLang="en-US"/>
           </a:p>
@@ -845,7 +847,7 @@
           <a:p>
             <a:fld id="{A7FE59BB-D4C5-425E-89C3-8768E5350534}" type="datetimeFigureOut">
               <a:rPr lang="zh-TW" altLang="en-US" smtClean="0"/>
-              <a:t>2019/1/7</a:t>
+              <a:t>2019/5/19</a:t>
             </a:fld>
             <a:endParaRPr lang="zh-TW" altLang="en-US"/>
           </a:p>
@@ -1014,7 +1016,7 @@
           <a:p>
             <a:fld id="{A7FE59BB-D4C5-425E-89C3-8768E5350534}" type="datetimeFigureOut">
               <a:rPr lang="zh-TW" altLang="en-US" smtClean="0"/>
-              <a:t>2019/1/7</a:t>
+              <a:t>2019/5/19</a:t>
             </a:fld>
             <a:endParaRPr lang="zh-TW" altLang="en-US"/>
           </a:p>
@@ -1469,7 +1471,7 @@
           <a:p>
             <a:fld id="{A7FE59BB-D4C5-425E-89C3-8768E5350534}" type="datetimeFigureOut">
               <a:rPr lang="zh-TW" altLang="en-US" smtClean="0"/>
-              <a:t>2019/1/7</a:t>
+              <a:t>2019/5/19</a:t>
             </a:fld>
             <a:endParaRPr lang="zh-TW" altLang="en-US"/>
           </a:p>
@@ -1733,7 +1735,7 @@
           <a:p>
             <a:fld id="{A7FE59BB-D4C5-425E-89C3-8768E5350534}" type="datetimeFigureOut">
               <a:rPr lang="zh-TW" altLang="en-US" smtClean="0"/>
-              <a:t>2019/1/7</a:t>
+              <a:t>2019/5/19</a:t>
             </a:fld>
             <a:endParaRPr lang="zh-TW" altLang="en-US"/>
           </a:p>
@@ -2107,7 +2109,7 @@
           <a:p>
             <a:fld id="{A7FE59BB-D4C5-425E-89C3-8768E5350534}" type="datetimeFigureOut">
               <a:rPr lang="zh-TW" altLang="en-US" smtClean="0"/>
-              <a:t>2019/1/7</a:t>
+              <a:t>2019/5/19</a:t>
             </a:fld>
             <a:endParaRPr lang="zh-TW" altLang="en-US"/>
           </a:p>
@@ -2229,7 +2231,7 @@
           <a:p>
             <a:fld id="{A7FE59BB-D4C5-425E-89C3-8768E5350534}" type="datetimeFigureOut">
               <a:rPr lang="zh-TW" altLang="en-US" smtClean="0"/>
-              <a:t>2019/1/7</a:t>
+              <a:t>2019/5/19</a:t>
             </a:fld>
             <a:endParaRPr lang="zh-TW" altLang="en-US"/>
           </a:p>
@@ -2319,7 +2321,7 @@
           <a:p>
             <a:fld id="{A7FE59BB-D4C5-425E-89C3-8768E5350534}" type="datetimeFigureOut">
               <a:rPr lang="zh-TW" altLang="en-US" smtClean="0"/>
-              <a:t>2019/1/7</a:t>
+              <a:t>2019/5/19</a:t>
             </a:fld>
             <a:endParaRPr lang="zh-TW" altLang="en-US"/>
           </a:p>
@@ -2568,7 +2570,7 @@
           <a:p>
             <a:fld id="{A7FE59BB-D4C5-425E-89C3-8768E5350534}" type="datetimeFigureOut">
               <a:rPr lang="zh-TW" altLang="en-US" smtClean="0"/>
-              <a:t>2019/1/7</a:t>
+              <a:t>2019/5/19</a:t>
             </a:fld>
             <a:endParaRPr lang="zh-TW" altLang="en-US"/>
           </a:p>
@@ -2827,7 +2829,7 @@
           <a:p>
             <a:fld id="{A7FE59BB-D4C5-425E-89C3-8768E5350534}" type="datetimeFigureOut">
               <a:rPr lang="zh-TW" altLang="en-US" smtClean="0"/>
-              <a:t>2019/1/7</a:t>
+              <a:t>2019/5/19</a:t>
             </a:fld>
             <a:endParaRPr lang="zh-TW" altLang="en-US"/>
           </a:p>
@@ -3231,7 +3233,7 @@
           <a:p>
             <a:fld id="{A7FE59BB-D4C5-425E-89C3-8768E5350534}" type="datetimeFigureOut">
               <a:rPr lang="zh-TW" altLang="en-US" smtClean="0"/>
-              <a:t>2019/1/7</a:t>
+              <a:t>2019/5/19</a:t>
             </a:fld>
             <a:endParaRPr lang="zh-TW" altLang="en-US"/>
           </a:p>
@@ -3741,6 +3743,166 @@
         </p:blipFill>
         <p:spPr>
           <a:xfrm>
+            <a:off x="179512" y="1772816"/>
+            <a:ext cx="8771188" cy="3960440"/>
+          </a:xfrm>
+        </p:spPr>
+      </p:pic>
+    </p:spTree>
+    <p:extLst>
+      <p:ext uri="{BB962C8B-B14F-4D97-AF65-F5344CB8AC3E}">
+        <p14:creationId xmlns:p14="http://schemas.microsoft.com/office/powerpoint/2010/main" val="2461739701"/>
+      </p:ext>
+    </p:extLst>
+  </p:cSld>
+  <p:clrMapOvr>
+    <a:masterClrMapping/>
+  </p:clrMapOvr>
+  <p:timing>
+    <p:tnLst>
+      <p:par>
+        <p:cTn id="1" dur="indefinite" restart="never" nodeType="tmRoot"/>
+      </p:par>
+    </p:tnLst>
+  </p:timing>
+</p:sld>
+</file>
+
+<file path=ppt/slides/slide11.xml><?xml version="1.0" encoding="utf-8"?>
+<p:sld xmlns:a="http://schemas.openxmlformats.org/drawingml/2006/main" xmlns:r="http://schemas.openxmlformats.org/officeDocument/2006/relationships" xmlns:p="http://schemas.openxmlformats.org/presentationml/2006/main">
+  <p:cSld>
+    <p:spTree>
+      <p:nvGrpSpPr>
+        <p:cNvPr id="1" name=""/>
+        <p:cNvGrpSpPr/>
+        <p:nvPr/>
+      </p:nvGrpSpPr>
+      <p:grpSpPr>
+        <a:xfrm>
+          <a:off x="0" y="0"/>
+          <a:ext cx="0" cy="0"/>
+          <a:chOff x="0" y="0"/>
+          <a:chExt cx="0" cy="0"/>
+        </a:xfrm>
+      </p:grpSpPr>
+      <p:sp>
+        <p:nvSpPr>
+          <p:cNvPr id="2" name="標題 1"/>
+          <p:cNvSpPr>
+            <a:spLocks noGrp="1"/>
+          </p:cNvSpPr>
+          <p:nvPr>
+            <p:ph type="title"/>
+          </p:nvPr>
+        </p:nvSpPr>
+        <p:spPr/>
+        <p:txBody>
+          <a:bodyPr>
+            <a:normAutofit/>
+          </a:bodyPr>
+          <a:lstStyle/>
+          <a:p>
+            <a:r>
+              <a:rPr lang="zh-TW" altLang="en-US" sz="4800" b="1" dirty="0">
+                <a:solidFill>
+                  <a:srgbClr val="FFC000"/>
+                </a:solidFill>
+              </a:rPr>
+              <a:t>前端頁面</a:t>
+            </a:r>
+          </a:p>
+        </p:txBody>
+      </p:sp>
+      <p:pic>
+        <p:nvPicPr>
+          <p:cNvPr id="4" name="內容版面配置區 3"/>
+          <p:cNvPicPr>
+            <a:picLocks noGrp="1" noChangeAspect="1"/>
+          </p:cNvPicPr>
+          <p:nvPr>
+            <p:ph idx="1"/>
+          </p:nvPr>
+        </p:nvPicPr>
+        <p:blipFill>
+          <a:blip r:embed="rId2">
+            <a:extLst>
+              <a:ext uri="{28A0092B-C50C-407E-A947-70E740481C1C}">
+                <a14:useLocalDpi xmlns:a14="http://schemas.microsoft.com/office/drawing/2010/main" val="0"/>
+              </a:ext>
+            </a:extLst>
+          </a:blip>
+          <a:stretch>
+            <a:fillRect/>
+          </a:stretch>
+        </p:blipFill>
+        <p:spPr>
+          <a:xfrm>
+            <a:off x="179512" y="1700808"/>
+            <a:ext cx="8743373" cy="4032448"/>
+          </a:xfrm>
+        </p:spPr>
+      </p:pic>
+    </p:spTree>
+    <p:extLst>
+      <p:ext uri="{BB962C8B-B14F-4D97-AF65-F5344CB8AC3E}">
+        <p14:creationId xmlns:p14="http://schemas.microsoft.com/office/powerpoint/2010/main" val="2069369453"/>
+      </p:ext>
+    </p:extLst>
+  </p:cSld>
+  <p:clrMapOvr>
+    <a:masterClrMapping/>
+  </p:clrMapOvr>
+  <p:timing>
+    <p:tnLst>
+      <p:par>
+        <p:cTn id="1" dur="indefinite" restart="never" nodeType="tmRoot"/>
+      </p:par>
+    </p:tnLst>
+  </p:timing>
+</p:sld>
+</file>
+
+<file path=ppt/slides/slide12.xml><?xml version="1.0" encoding="utf-8"?>
+<p:sld xmlns:a="http://schemas.openxmlformats.org/drawingml/2006/main" xmlns:r="http://schemas.openxmlformats.org/officeDocument/2006/relationships" xmlns:p="http://schemas.openxmlformats.org/presentationml/2006/main">
+  <p:cSld>
+    <p:spTree>
+      <p:nvGrpSpPr>
+        <p:cNvPr id="1" name=""/>
+        <p:cNvGrpSpPr/>
+        <p:nvPr/>
+      </p:nvGrpSpPr>
+      <p:grpSpPr>
+        <a:xfrm>
+          <a:off x="0" y="0"/>
+          <a:ext cx="0" cy="0"/>
+          <a:chOff x="0" y="0"/>
+          <a:chExt cx="0" cy="0"/>
+        </a:xfrm>
+      </p:grpSpPr>
+      <p:pic>
+        <p:nvPicPr>
+          <p:cNvPr id="4" name="內容版面配置區 3"/>
+          <p:cNvPicPr>
+            <a:picLocks noGrp="1" noChangeAspect="1"/>
+          </p:cNvPicPr>
+          <p:nvPr>
+            <p:ph idx="1"/>
+          </p:nvPr>
+        </p:nvPicPr>
+        <p:blipFill>
+          <a:blip r:embed="rId2">
+            <a:extLst>
+              <a:ext uri="{28A0092B-C50C-407E-A947-70E740481C1C}">
+                <a14:useLocalDpi xmlns:a14="http://schemas.microsoft.com/office/drawing/2010/main" val="0"/>
+              </a:ext>
+            </a:extLst>
+          </a:blip>
+          <a:stretch>
+            <a:fillRect/>
+          </a:stretch>
+        </p:blipFill>
+        <p:spPr>
+          <a:xfrm>
             <a:off x="179512" y="1844824"/>
             <a:ext cx="8799241" cy="4032448"/>
           </a:xfrm>
@@ -3759,7 +3921,7 @@
 </p:sld>
 </file>
 
-<file path=ppt/slides/slide11.xml><?xml version="1.0" encoding="utf-8"?>
+<file path=ppt/slides/slide13.xml><?xml version="1.0" encoding="utf-8"?>
 <p:sld xmlns:a="http://schemas.openxmlformats.org/drawingml/2006/main" xmlns:r="http://schemas.openxmlformats.org/officeDocument/2006/relationships" xmlns:p="http://schemas.openxmlformats.org/presentationml/2006/main">
   <p:cSld>
     <p:spTree>
@@ -3853,7 +4015,7 @@
 </p:sld>
 </file>
 
-<file path=ppt/slides/slide12.xml><?xml version="1.0" encoding="utf-8"?>
+<file path=ppt/slides/slide14.xml><?xml version="1.0" encoding="utf-8"?>
 <p:sld xmlns:a="http://schemas.openxmlformats.org/drawingml/2006/main" xmlns:r="http://schemas.openxmlformats.org/officeDocument/2006/relationships" xmlns:p="http://schemas.openxmlformats.org/presentationml/2006/main">
   <p:cSld>
     <p:spTree>
@@ -3954,7 +4116,7 @@
 </p:sld>
 </file>
 
-<file path=ppt/slides/slide13.xml><?xml version="1.0" encoding="utf-8"?>
+<file path=ppt/slides/slide15.xml><?xml version="1.0" encoding="utf-8"?>
 <p:sld xmlns:a="http://schemas.openxmlformats.org/drawingml/2006/main" xmlns:r="http://schemas.openxmlformats.org/officeDocument/2006/relationships" xmlns:p="http://schemas.openxmlformats.org/presentationml/2006/main">
   <p:cSld>
     <p:spTree>
@@ -4049,7 +4211,7 @@
 </p:sld>
 </file>
 
-<file path=ppt/slides/slide14.xml><?xml version="1.0" encoding="utf-8"?>
+<file path=ppt/slides/slide16.xml><?xml version="1.0" encoding="utf-8"?>
 <p:sld xmlns:a="http://schemas.openxmlformats.org/drawingml/2006/main" xmlns:r="http://schemas.openxmlformats.org/officeDocument/2006/relationships" xmlns:p="http://schemas.openxmlformats.org/presentationml/2006/main">
   <p:cSld>
     <p:spTree>
@@ -4216,7 +4378,7 @@
 </p:sld>
 </file>
 
-<file path=ppt/slides/slide15.xml><?xml version="1.0" encoding="utf-8"?>
+<file path=ppt/slides/slide17.xml><?xml version="1.0" encoding="utf-8"?>
 <p:sld xmlns:a="http://schemas.openxmlformats.org/drawingml/2006/main" xmlns:r="http://schemas.openxmlformats.org/officeDocument/2006/relationships" xmlns:p="http://schemas.openxmlformats.org/presentationml/2006/main">
   <p:cSld>
     <p:spTree>
@@ -4867,7 +5029,7 @@
                 </a:solidFill>
                 <a:latin typeface="+mn-lt"/>
               </a:rPr>
-              <a:t>model</a:t>
+              <a:t>model-A</a:t>
             </a:r>
             <a:endParaRPr lang="zh-TW" altLang="en-US" sz="4800" b="1" dirty="0">
               <a:solidFill>
@@ -4880,7 +5042,7 @@
       </p:sp>
       <p:pic>
         <p:nvPicPr>
-          <p:cNvPr id="4" name="內容版面配置區 3"/>
+          <p:cNvPr id="7" name="內容版面配置區 6"/>
           <p:cNvPicPr>
             <a:picLocks noGrp="1" noChangeAspect="1"/>
           </p:cNvPicPr>
@@ -4889,7 +5051,7 @@
           </p:nvPr>
         </p:nvPicPr>
         <p:blipFill>
-          <a:blip r:embed="rId2">
+          <a:blip r:embed="rId2" cstate="print">
             <a:extLst>
               <a:ext uri="{28A0092B-C50C-407E-A947-70E740481C1C}">
                 <a14:useLocalDpi xmlns:a14="http://schemas.microsoft.com/office/drawing/2010/main" val="0"/>
@@ -4901,9 +5063,9 @@
           </a:stretch>
         </p:blipFill>
         <p:spPr>
-          <a:xfrm>
-            <a:off x="539552" y="1268760"/>
-            <a:ext cx="7074428" cy="4968552"/>
+          <a:xfrm rot="16200000">
+            <a:off x="1313639" y="422665"/>
+            <a:ext cx="5076563" cy="6768751"/>
           </a:xfrm>
         </p:spPr>
       </p:pic>
@@ -4968,7 +5130,245 @@
                 </a:solidFill>
                 <a:latin typeface="+mn-lt"/>
               </a:rPr>
-              <a:t>Relational model</a:t>
+              <a:t>ER</a:t>
+            </a:r>
+            <a:r>
+              <a:rPr lang="zh-TW" altLang="en-US" sz="4800" b="1" dirty="0" smtClean="0">
+                <a:solidFill>
+                  <a:srgbClr val="FFC000"/>
+                </a:solidFill>
+                <a:latin typeface="+mn-lt"/>
+              </a:rPr>
+              <a:t> </a:t>
+            </a:r>
+            <a:r>
+              <a:rPr lang="en-US" altLang="zh-TW" sz="4800" b="1" dirty="0" smtClean="0">
+                <a:solidFill>
+                  <a:srgbClr val="FFC000"/>
+                </a:solidFill>
+                <a:latin typeface="+mn-lt"/>
+              </a:rPr>
+              <a:t>model-B</a:t>
+            </a:r>
+            <a:endParaRPr lang="zh-TW" altLang="en-US" sz="4800" b="1" dirty="0">
+              <a:solidFill>
+                <a:srgbClr val="FFC000"/>
+              </a:solidFill>
+              <a:latin typeface="+mn-lt"/>
+            </a:endParaRPr>
+          </a:p>
+        </p:txBody>
+      </p:sp>
+      <p:pic>
+        <p:nvPicPr>
+          <p:cNvPr id="4" name="內容版面配置區 3"/>
+          <p:cNvPicPr>
+            <a:picLocks noGrp="1" noChangeAspect="1"/>
+          </p:cNvPicPr>
+          <p:nvPr>
+            <p:ph idx="1"/>
+          </p:nvPr>
+        </p:nvPicPr>
+        <p:blipFill>
+          <a:blip r:embed="rId2">
+            <a:extLst>
+              <a:ext uri="{28A0092B-C50C-407E-A947-70E740481C1C}">
+                <a14:useLocalDpi xmlns:a14="http://schemas.microsoft.com/office/drawing/2010/main" val="0"/>
+              </a:ext>
+            </a:extLst>
+          </a:blip>
+          <a:stretch>
+            <a:fillRect/>
+          </a:stretch>
+        </p:blipFill>
+        <p:spPr>
+          <a:xfrm>
+            <a:off x="539552" y="1268760"/>
+            <a:ext cx="7074428" cy="4968552"/>
+          </a:xfrm>
+        </p:spPr>
+      </p:pic>
+    </p:spTree>
+    <p:extLst>
+      <p:ext uri="{BB962C8B-B14F-4D97-AF65-F5344CB8AC3E}">
+        <p14:creationId xmlns:p14="http://schemas.microsoft.com/office/powerpoint/2010/main" val="177966748"/>
+      </p:ext>
+    </p:extLst>
+  </p:cSld>
+  <p:clrMapOvr>
+    <a:masterClrMapping/>
+  </p:clrMapOvr>
+  <p:timing>
+    <p:tnLst>
+      <p:par>
+        <p:cTn id="1" dur="indefinite" restart="never" nodeType="tmRoot"/>
+      </p:par>
+    </p:tnLst>
+  </p:timing>
+</p:sld>
+</file>
+
+<file path=ppt/slides/slide6.xml><?xml version="1.0" encoding="utf-8"?>
+<p:sld xmlns:a="http://schemas.openxmlformats.org/drawingml/2006/main" xmlns:r="http://schemas.openxmlformats.org/officeDocument/2006/relationships" xmlns:p="http://schemas.openxmlformats.org/presentationml/2006/main">
+  <p:cSld>
+    <p:spTree>
+      <p:nvGrpSpPr>
+        <p:cNvPr id="1" name=""/>
+        <p:cNvGrpSpPr/>
+        <p:nvPr/>
+      </p:nvGrpSpPr>
+      <p:grpSpPr>
+        <a:xfrm>
+          <a:off x="0" y="0"/>
+          <a:ext cx="0" cy="0"/>
+          <a:chOff x="0" y="0"/>
+          <a:chExt cx="0" cy="0"/>
+        </a:xfrm>
+      </p:grpSpPr>
+      <p:sp>
+        <p:nvSpPr>
+          <p:cNvPr id="2" name="標題 1"/>
+          <p:cNvSpPr>
+            <a:spLocks noGrp="1"/>
+          </p:cNvSpPr>
+          <p:nvPr>
+            <p:ph type="title"/>
+          </p:nvPr>
+        </p:nvSpPr>
+        <p:spPr/>
+        <p:txBody>
+          <a:bodyPr>
+            <a:normAutofit/>
+          </a:bodyPr>
+          <a:lstStyle/>
+          <a:p>
+            <a:r>
+              <a:rPr lang="en-US" altLang="zh-TW" sz="4800" b="1" dirty="0" smtClean="0">
+                <a:solidFill>
+                  <a:srgbClr val="FFC000"/>
+                </a:solidFill>
+                <a:latin typeface="+mn-lt"/>
+              </a:rPr>
+              <a:t>Relational </a:t>
+            </a:r>
+            <a:r>
+              <a:rPr lang="en-US" altLang="zh-TW" sz="4800" b="1" dirty="0" smtClean="0">
+                <a:solidFill>
+                  <a:srgbClr val="FFC000"/>
+                </a:solidFill>
+                <a:latin typeface="+mn-lt"/>
+              </a:rPr>
+              <a:t>model-A</a:t>
+            </a:r>
+            <a:endParaRPr lang="zh-TW" altLang="en-US" sz="4800" b="1" dirty="0">
+              <a:solidFill>
+                <a:srgbClr val="FFC000"/>
+              </a:solidFill>
+              <a:latin typeface="+mn-lt"/>
+            </a:endParaRPr>
+          </a:p>
+        </p:txBody>
+      </p:sp>
+      <p:pic>
+        <p:nvPicPr>
+          <p:cNvPr id="4" name="內容版面配置區 3"/>
+          <p:cNvPicPr>
+            <a:picLocks noGrp="1" noChangeAspect="1"/>
+          </p:cNvPicPr>
+          <p:nvPr>
+            <p:ph idx="1"/>
+          </p:nvPr>
+        </p:nvPicPr>
+        <p:blipFill>
+          <a:blip r:embed="rId2" cstate="print">
+            <a:extLst>
+              <a:ext uri="{28A0092B-C50C-407E-A947-70E740481C1C}">
+                <a14:useLocalDpi xmlns:a14="http://schemas.microsoft.com/office/drawing/2010/main" val="0"/>
+              </a:ext>
+            </a:extLst>
+          </a:blip>
+          <a:stretch>
+            <a:fillRect/>
+          </a:stretch>
+        </p:blipFill>
+        <p:spPr>
+          <a:xfrm rot="16200000">
+            <a:off x="1340642" y="395662"/>
+            <a:ext cx="5238581" cy="6984775"/>
+          </a:xfrm>
+        </p:spPr>
+      </p:pic>
+    </p:spTree>
+    <p:extLst>
+      <p:ext uri="{BB962C8B-B14F-4D97-AF65-F5344CB8AC3E}">
+        <p14:creationId xmlns:p14="http://schemas.microsoft.com/office/powerpoint/2010/main" val="707971336"/>
+      </p:ext>
+    </p:extLst>
+  </p:cSld>
+  <p:clrMapOvr>
+    <a:masterClrMapping/>
+  </p:clrMapOvr>
+  <p:timing>
+    <p:tnLst>
+      <p:par>
+        <p:cTn id="1" dur="indefinite" restart="never" nodeType="tmRoot"/>
+      </p:par>
+    </p:tnLst>
+  </p:timing>
+</p:sld>
+</file>
+
+<file path=ppt/slides/slide7.xml><?xml version="1.0" encoding="utf-8"?>
+<p:sld xmlns:a="http://schemas.openxmlformats.org/drawingml/2006/main" xmlns:r="http://schemas.openxmlformats.org/officeDocument/2006/relationships" xmlns:p="http://schemas.openxmlformats.org/presentationml/2006/main">
+  <p:cSld>
+    <p:spTree>
+      <p:nvGrpSpPr>
+        <p:cNvPr id="1" name=""/>
+        <p:cNvGrpSpPr/>
+        <p:nvPr/>
+      </p:nvGrpSpPr>
+      <p:grpSpPr>
+        <a:xfrm>
+          <a:off x="0" y="0"/>
+          <a:ext cx="0" cy="0"/>
+          <a:chOff x="0" y="0"/>
+          <a:chExt cx="0" cy="0"/>
+        </a:xfrm>
+      </p:grpSpPr>
+      <p:sp>
+        <p:nvSpPr>
+          <p:cNvPr id="2" name="標題 1"/>
+          <p:cNvSpPr>
+            <a:spLocks noGrp="1"/>
+          </p:cNvSpPr>
+          <p:nvPr>
+            <p:ph type="title"/>
+          </p:nvPr>
+        </p:nvSpPr>
+        <p:spPr/>
+        <p:txBody>
+          <a:bodyPr>
+            <a:normAutofit/>
+          </a:bodyPr>
+          <a:lstStyle/>
+          <a:p>
+            <a:r>
+              <a:rPr lang="en-US" altLang="zh-TW" sz="4800" b="1" dirty="0" smtClean="0">
+                <a:solidFill>
+                  <a:srgbClr val="FFC000"/>
+                </a:solidFill>
+                <a:latin typeface="+mn-lt"/>
+              </a:rPr>
+              <a:t>Relational </a:t>
+            </a:r>
+            <a:r>
+              <a:rPr lang="en-US" altLang="zh-TW" sz="4800" b="1" dirty="0" smtClean="0">
+                <a:solidFill>
+                  <a:srgbClr val="FFC000"/>
+                </a:solidFill>
+                <a:latin typeface="+mn-lt"/>
+              </a:rPr>
+              <a:t>model-B</a:t>
             </a:r>
             <a:endParaRPr lang="zh-TW" altLang="en-US" sz="4800" b="1" dirty="0">
               <a:solidFill>
@@ -5048,7 +5448,7 @@
     </p:spTree>
     <p:extLst>
       <p:ext uri="{BB962C8B-B14F-4D97-AF65-F5344CB8AC3E}">
-        <p14:creationId xmlns:p14="http://schemas.microsoft.com/office/powerpoint/2010/main" val="707971336"/>
+        <p14:creationId xmlns:p14="http://schemas.microsoft.com/office/powerpoint/2010/main" val="3740890953"/>
       </p:ext>
     </p:extLst>
   </p:cSld>
@@ -5065,7 +5465,7 @@
 </p:sld>
 </file>
 
-<file path=ppt/slides/slide6.xml><?xml version="1.0" encoding="utf-8"?>
+<file path=ppt/slides/slide8.xml><?xml version="1.0" encoding="utf-8"?>
 <p:sld xmlns:a="http://schemas.openxmlformats.org/drawingml/2006/main" xmlns:r="http://schemas.openxmlformats.org/officeDocument/2006/relationships" xmlns:p="http://schemas.openxmlformats.org/presentationml/2006/main">
   <p:cSld>
     <p:spTree>
@@ -5166,7 +5566,7 @@
 </p:sld>
 </file>
 
-<file path=ppt/slides/slide7.xml><?xml version="1.0" encoding="utf-8"?>
+<file path=ppt/slides/slide9.xml><?xml version="1.0" encoding="utf-8"?>
 <p:sld xmlns:a="http://schemas.openxmlformats.org/drawingml/2006/main" xmlns:r="http://schemas.openxmlformats.org/officeDocument/2006/relationships" xmlns:p="http://schemas.openxmlformats.org/presentationml/2006/main">
   <p:cSld>
     <p:spTree>
@@ -5222,166 +5622,6 @@
   <p:clrMapOvr>
     <a:masterClrMapping/>
   </p:clrMapOvr>
-</p:sld>
-</file>
-
-<file path=ppt/slides/slide8.xml><?xml version="1.0" encoding="utf-8"?>
-<p:sld xmlns:a="http://schemas.openxmlformats.org/drawingml/2006/main" xmlns:r="http://schemas.openxmlformats.org/officeDocument/2006/relationships" xmlns:p="http://schemas.openxmlformats.org/presentationml/2006/main">
-  <p:cSld>
-    <p:spTree>
-      <p:nvGrpSpPr>
-        <p:cNvPr id="1" name=""/>
-        <p:cNvGrpSpPr/>
-        <p:nvPr/>
-      </p:nvGrpSpPr>
-      <p:grpSpPr>
-        <a:xfrm>
-          <a:off x="0" y="0"/>
-          <a:ext cx="0" cy="0"/>
-          <a:chOff x="0" y="0"/>
-          <a:chExt cx="0" cy="0"/>
-        </a:xfrm>
-      </p:grpSpPr>
-      <p:pic>
-        <p:nvPicPr>
-          <p:cNvPr id="4" name="內容版面配置區 3"/>
-          <p:cNvPicPr>
-            <a:picLocks noGrp="1" noChangeAspect="1"/>
-          </p:cNvPicPr>
-          <p:nvPr>
-            <p:ph idx="1"/>
-          </p:nvPr>
-        </p:nvPicPr>
-        <p:blipFill>
-          <a:blip r:embed="rId2">
-            <a:extLst>
-              <a:ext uri="{28A0092B-C50C-407E-A947-70E740481C1C}">
-                <a14:useLocalDpi xmlns:a14="http://schemas.microsoft.com/office/drawing/2010/main" val="0"/>
-              </a:ext>
-            </a:extLst>
-          </a:blip>
-          <a:stretch>
-            <a:fillRect/>
-          </a:stretch>
-        </p:blipFill>
-        <p:spPr>
-          <a:xfrm>
-            <a:off x="179512" y="1772816"/>
-            <a:ext cx="8771188" cy="3960440"/>
-          </a:xfrm>
-        </p:spPr>
-      </p:pic>
-    </p:spTree>
-    <p:extLst>
-      <p:ext uri="{BB962C8B-B14F-4D97-AF65-F5344CB8AC3E}">
-        <p14:creationId xmlns:p14="http://schemas.microsoft.com/office/powerpoint/2010/main" val="2461739701"/>
-      </p:ext>
-    </p:extLst>
-  </p:cSld>
-  <p:clrMapOvr>
-    <a:masterClrMapping/>
-  </p:clrMapOvr>
-  <p:timing>
-    <p:tnLst>
-      <p:par>
-        <p:cTn id="1" dur="indefinite" restart="never" nodeType="tmRoot"/>
-      </p:par>
-    </p:tnLst>
-  </p:timing>
-</p:sld>
-</file>
-
-<file path=ppt/slides/slide9.xml><?xml version="1.0" encoding="utf-8"?>
-<p:sld xmlns:a="http://schemas.openxmlformats.org/drawingml/2006/main" xmlns:r="http://schemas.openxmlformats.org/officeDocument/2006/relationships" xmlns:p="http://schemas.openxmlformats.org/presentationml/2006/main">
-  <p:cSld>
-    <p:spTree>
-      <p:nvGrpSpPr>
-        <p:cNvPr id="1" name=""/>
-        <p:cNvGrpSpPr/>
-        <p:nvPr/>
-      </p:nvGrpSpPr>
-      <p:grpSpPr>
-        <a:xfrm>
-          <a:off x="0" y="0"/>
-          <a:ext cx="0" cy="0"/>
-          <a:chOff x="0" y="0"/>
-          <a:chExt cx="0" cy="0"/>
-        </a:xfrm>
-      </p:grpSpPr>
-      <p:sp>
-        <p:nvSpPr>
-          <p:cNvPr id="2" name="標題 1"/>
-          <p:cNvSpPr>
-            <a:spLocks noGrp="1"/>
-          </p:cNvSpPr>
-          <p:nvPr>
-            <p:ph type="title"/>
-          </p:nvPr>
-        </p:nvSpPr>
-        <p:spPr/>
-        <p:txBody>
-          <a:bodyPr>
-            <a:normAutofit/>
-          </a:bodyPr>
-          <a:lstStyle/>
-          <a:p>
-            <a:r>
-              <a:rPr lang="zh-TW" altLang="en-US" sz="4800" b="1" dirty="0">
-                <a:solidFill>
-                  <a:srgbClr val="FFC000"/>
-                </a:solidFill>
-              </a:rPr>
-              <a:t>前端頁面</a:t>
-            </a:r>
-          </a:p>
-        </p:txBody>
-      </p:sp>
-      <p:pic>
-        <p:nvPicPr>
-          <p:cNvPr id="4" name="內容版面配置區 3"/>
-          <p:cNvPicPr>
-            <a:picLocks noGrp="1" noChangeAspect="1"/>
-          </p:cNvPicPr>
-          <p:nvPr>
-            <p:ph idx="1"/>
-          </p:nvPr>
-        </p:nvPicPr>
-        <p:blipFill>
-          <a:blip r:embed="rId2">
-            <a:extLst>
-              <a:ext uri="{28A0092B-C50C-407E-A947-70E740481C1C}">
-                <a14:useLocalDpi xmlns:a14="http://schemas.microsoft.com/office/drawing/2010/main" val="0"/>
-              </a:ext>
-            </a:extLst>
-          </a:blip>
-          <a:stretch>
-            <a:fillRect/>
-          </a:stretch>
-        </p:blipFill>
-        <p:spPr>
-          <a:xfrm>
-            <a:off x="179512" y="1700808"/>
-            <a:ext cx="8743373" cy="4032448"/>
-          </a:xfrm>
-        </p:spPr>
-      </p:pic>
-    </p:spTree>
-    <p:extLst>
-      <p:ext uri="{BB962C8B-B14F-4D97-AF65-F5344CB8AC3E}">
-        <p14:creationId xmlns:p14="http://schemas.microsoft.com/office/powerpoint/2010/main" val="2069369453"/>
-      </p:ext>
-    </p:extLst>
-  </p:cSld>
-  <p:clrMapOvr>
-    <a:masterClrMapping/>
-  </p:clrMapOvr>
-  <p:timing>
-    <p:tnLst>
-      <p:par>
-        <p:cTn id="1" dur="indefinite" restart="never" nodeType="tmRoot"/>
-      </p:par>
-    </p:tnLst>
-  </p:timing>
 </p:sld>
 </file>
 

--- a/doc/admin/G12-傢俱查詢網.pptx
+++ b/doc/admin/G12-傢俱查詢網.pptx
@@ -8,20 +8,18 @@
     <p:sldId id="256" r:id="rId2"/>
     <p:sldId id="257" r:id="rId3"/>
     <p:sldId id="265" r:id="rId4"/>
-    <p:sldId id="259" r:id="rId5"/>
-    <p:sldId id="274" r:id="rId6"/>
-    <p:sldId id="264" r:id="rId7"/>
-    <p:sldId id="275" r:id="rId8"/>
-    <p:sldId id="261" r:id="rId9"/>
-    <p:sldId id="266" r:id="rId10"/>
-    <p:sldId id="267" r:id="rId11"/>
-    <p:sldId id="262" r:id="rId12"/>
-    <p:sldId id="268" r:id="rId13"/>
-    <p:sldId id="269" r:id="rId14"/>
-    <p:sldId id="270" r:id="rId15"/>
-    <p:sldId id="271" r:id="rId16"/>
-    <p:sldId id="273" r:id="rId17"/>
-    <p:sldId id="272" r:id="rId18"/>
+    <p:sldId id="274" r:id="rId5"/>
+    <p:sldId id="275" r:id="rId6"/>
+    <p:sldId id="261" r:id="rId7"/>
+    <p:sldId id="266" r:id="rId8"/>
+    <p:sldId id="267" r:id="rId9"/>
+    <p:sldId id="262" r:id="rId10"/>
+    <p:sldId id="268" r:id="rId11"/>
+    <p:sldId id="269" r:id="rId12"/>
+    <p:sldId id="270" r:id="rId13"/>
+    <p:sldId id="271" r:id="rId14"/>
+    <p:sldId id="273" r:id="rId15"/>
+    <p:sldId id="272" r:id="rId16"/>
   </p:sldIdLst>
   <p:sldSz cx="9144000" cy="6858000" type="screen4x3"/>
   <p:notesSz cx="6858000" cy="9144000"/>
@@ -507,7 +505,7 @@
           <a:p>
             <a:fld id="{A7FE59BB-D4C5-425E-89C3-8768E5350534}" type="datetimeFigureOut">
               <a:rPr lang="zh-TW" altLang="en-US" smtClean="0"/>
-              <a:t>2019/5/19</a:t>
+              <a:t>2019/5/20</a:t>
             </a:fld>
             <a:endParaRPr lang="zh-TW" altLang="en-US"/>
           </a:p>
@@ -672,7 +670,7 @@
           <a:p>
             <a:fld id="{A7FE59BB-D4C5-425E-89C3-8768E5350534}" type="datetimeFigureOut">
               <a:rPr lang="zh-TW" altLang="en-US" smtClean="0"/>
-              <a:t>2019/5/19</a:t>
+              <a:t>2019/5/20</a:t>
             </a:fld>
             <a:endParaRPr lang="zh-TW" altLang="en-US"/>
           </a:p>
@@ -847,7 +845,7 @@
           <a:p>
             <a:fld id="{A7FE59BB-D4C5-425E-89C3-8768E5350534}" type="datetimeFigureOut">
               <a:rPr lang="zh-TW" altLang="en-US" smtClean="0"/>
-              <a:t>2019/5/19</a:t>
+              <a:t>2019/5/20</a:t>
             </a:fld>
             <a:endParaRPr lang="zh-TW" altLang="en-US"/>
           </a:p>
@@ -1016,7 +1014,7 @@
           <a:p>
             <a:fld id="{A7FE59BB-D4C5-425E-89C3-8768E5350534}" type="datetimeFigureOut">
               <a:rPr lang="zh-TW" altLang="en-US" smtClean="0"/>
-              <a:t>2019/5/19</a:t>
+              <a:t>2019/5/20</a:t>
             </a:fld>
             <a:endParaRPr lang="zh-TW" altLang="en-US"/>
           </a:p>
@@ -1471,7 +1469,7 @@
           <a:p>
             <a:fld id="{A7FE59BB-D4C5-425E-89C3-8768E5350534}" type="datetimeFigureOut">
               <a:rPr lang="zh-TW" altLang="en-US" smtClean="0"/>
-              <a:t>2019/5/19</a:t>
+              <a:t>2019/5/20</a:t>
             </a:fld>
             <a:endParaRPr lang="zh-TW" altLang="en-US"/>
           </a:p>
@@ -1735,7 +1733,7 @@
           <a:p>
             <a:fld id="{A7FE59BB-D4C5-425E-89C3-8768E5350534}" type="datetimeFigureOut">
               <a:rPr lang="zh-TW" altLang="en-US" smtClean="0"/>
-              <a:t>2019/5/19</a:t>
+              <a:t>2019/5/20</a:t>
             </a:fld>
             <a:endParaRPr lang="zh-TW" altLang="en-US"/>
           </a:p>
@@ -2109,7 +2107,7 @@
           <a:p>
             <a:fld id="{A7FE59BB-D4C5-425E-89C3-8768E5350534}" type="datetimeFigureOut">
               <a:rPr lang="zh-TW" altLang="en-US" smtClean="0"/>
-              <a:t>2019/5/19</a:t>
+              <a:t>2019/5/20</a:t>
             </a:fld>
             <a:endParaRPr lang="zh-TW" altLang="en-US"/>
           </a:p>
@@ -2231,7 +2229,7 @@
           <a:p>
             <a:fld id="{A7FE59BB-D4C5-425E-89C3-8768E5350534}" type="datetimeFigureOut">
               <a:rPr lang="zh-TW" altLang="en-US" smtClean="0"/>
-              <a:t>2019/5/19</a:t>
+              <a:t>2019/5/20</a:t>
             </a:fld>
             <a:endParaRPr lang="zh-TW" altLang="en-US"/>
           </a:p>
@@ -2321,7 +2319,7 @@
           <a:p>
             <a:fld id="{A7FE59BB-D4C5-425E-89C3-8768E5350534}" type="datetimeFigureOut">
               <a:rPr lang="zh-TW" altLang="en-US" smtClean="0"/>
-              <a:t>2019/5/19</a:t>
+              <a:t>2019/5/20</a:t>
             </a:fld>
             <a:endParaRPr lang="zh-TW" altLang="en-US"/>
           </a:p>
@@ -2570,7 +2568,7 @@
           <a:p>
             <a:fld id="{A7FE59BB-D4C5-425E-89C3-8768E5350534}" type="datetimeFigureOut">
               <a:rPr lang="zh-TW" altLang="en-US" smtClean="0"/>
-              <a:t>2019/5/19</a:t>
+              <a:t>2019/5/20</a:t>
             </a:fld>
             <a:endParaRPr lang="zh-TW" altLang="en-US"/>
           </a:p>
@@ -2829,7 +2827,7 @@
           <a:p>
             <a:fld id="{A7FE59BB-D4C5-425E-89C3-8768E5350534}" type="datetimeFigureOut">
               <a:rPr lang="zh-TW" altLang="en-US" smtClean="0"/>
-              <a:t>2019/5/19</a:t>
+              <a:t>2019/5/20</a:t>
             </a:fld>
             <a:endParaRPr lang="zh-TW" altLang="en-US"/>
           </a:p>
@@ -3233,7 +3231,7 @@
           <a:p>
             <a:fld id="{A7FE59BB-D4C5-425E-89C3-8768E5350534}" type="datetimeFigureOut">
               <a:rPr lang="zh-TW" altLang="en-US" smtClean="0"/>
-              <a:t>2019/5/19</a:t>
+              <a:t>2019/5/20</a:t>
             </a:fld>
             <a:endParaRPr lang="zh-TW" altLang="en-US"/>
           </a:p>
@@ -3743,166 +3741,6 @@
         </p:blipFill>
         <p:spPr>
           <a:xfrm>
-            <a:off x="179512" y="1772816"/>
-            <a:ext cx="8771188" cy="3960440"/>
-          </a:xfrm>
-        </p:spPr>
-      </p:pic>
-    </p:spTree>
-    <p:extLst>
-      <p:ext uri="{BB962C8B-B14F-4D97-AF65-F5344CB8AC3E}">
-        <p14:creationId xmlns:p14="http://schemas.microsoft.com/office/powerpoint/2010/main" val="2461739701"/>
-      </p:ext>
-    </p:extLst>
-  </p:cSld>
-  <p:clrMapOvr>
-    <a:masterClrMapping/>
-  </p:clrMapOvr>
-  <p:timing>
-    <p:tnLst>
-      <p:par>
-        <p:cTn id="1" dur="indefinite" restart="never" nodeType="tmRoot"/>
-      </p:par>
-    </p:tnLst>
-  </p:timing>
-</p:sld>
-</file>
-
-<file path=ppt/slides/slide11.xml><?xml version="1.0" encoding="utf-8"?>
-<p:sld xmlns:a="http://schemas.openxmlformats.org/drawingml/2006/main" xmlns:r="http://schemas.openxmlformats.org/officeDocument/2006/relationships" xmlns:p="http://schemas.openxmlformats.org/presentationml/2006/main">
-  <p:cSld>
-    <p:spTree>
-      <p:nvGrpSpPr>
-        <p:cNvPr id="1" name=""/>
-        <p:cNvGrpSpPr/>
-        <p:nvPr/>
-      </p:nvGrpSpPr>
-      <p:grpSpPr>
-        <a:xfrm>
-          <a:off x="0" y="0"/>
-          <a:ext cx="0" cy="0"/>
-          <a:chOff x="0" y="0"/>
-          <a:chExt cx="0" cy="0"/>
-        </a:xfrm>
-      </p:grpSpPr>
-      <p:sp>
-        <p:nvSpPr>
-          <p:cNvPr id="2" name="標題 1"/>
-          <p:cNvSpPr>
-            <a:spLocks noGrp="1"/>
-          </p:cNvSpPr>
-          <p:nvPr>
-            <p:ph type="title"/>
-          </p:nvPr>
-        </p:nvSpPr>
-        <p:spPr/>
-        <p:txBody>
-          <a:bodyPr>
-            <a:normAutofit/>
-          </a:bodyPr>
-          <a:lstStyle/>
-          <a:p>
-            <a:r>
-              <a:rPr lang="zh-TW" altLang="en-US" sz="4800" b="1" dirty="0">
-                <a:solidFill>
-                  <a:srgbClr val="FFC000"/>
-                </a:solidFill>
-              </a:rPr>
-              <a:t>前端頁面</a:t>
-            </a:r>
-          </a:p>
-        </p:txBody>
-      </p:sp>
-      <p:pic>
-        <p:nvPicPr>
-          <p:cNvPr id="4" name="內容版面配置區 3"/>
-          <p:cNvPicPr>
-            <a:picLocks noGrp="1" noChangeAspect="1"/>
-          </p:cNvPicPr>
-          <p:nvPr>
-            <p:ph idx="1"/>
-          </p:nvPr>
-        </p:nvPicPr>
-        <p:blipFill>
-          <a:blip r:embed="rId2">
-            <a:extLst>
-              <a:ext uri="{28A0092B-C50C-407E-A947-70E740481C1C}">
-                <a14:useLocalDpi xmlns:a14="http://schemas.microsoft.com/office/drawing/2010/main" val="0"/>
-              </a:ext>
-            </a:extLst>
-          </a:blip>
-          <a:stretch>
-            <a:fillRect/>
-          </a:stretch>
-        </p:blipFill>
-        <p:spPr>
-          <a:xfrm>
-            <a:off x="179512" y="1700808"/>
-            <a:ext cx="8743373" cy="4032448"/>
-          </a:xfrm>
-        </p:spPr>
-      </p:pic>
-    </p:spTree>
-    <p:extLst>
-      <p:ext uri="{BB962C8B-B14F-4D97-AF65-F5344CB8AC3E}">
-        <p14:creationId xmlns:p14="http://schemas.microsoft.com/office/powerpoint/2010/main" val="2069369453"/>
-      </p:ext>
-    </p:extLst>
-  </p:cSld>
-  <p:clrMapOvr>
-    <a:masterClrMapping/>
-  </p:clrMapOvr>
-  <p:timing>
-    <p:tnLst>
-      <p:par>
-        <p:cTn id="1" dur="indefinite" restart="never" nodeType="tmRoot"/>
-      </p:par>
-    </p:tnLst>
-  </p:timing>
-</p:sld>
-</file>
-
-<file path=ppt/slides/slide12.xml><?xml version="1.0" encoding="utf-8"?>
-<p:sld xmlns:a="http://schemas.openxmlformats.org/drawingml/2006/main" xmlns:r="http://schemas.openxmlformats.org/officeDocument/2006/relationships" xmlns:p="http://schemas.openxmlformats.org/presentationml/2006/main">
-  <p:cSld>
-    <p:spTree>
-      <p:nvGrpSpPr>
-        <p:cNvPr id="1" name=""/>
-        <p:cNvGrpSpPr/>
-        <p:nvPr/>
-      </p:nvGrpSpPr>
-      <p:grpSpPr>
-        <a:xfrm>
-          <a:off x="0" y="0"/>
-          <a:ext cx="0" cy="0"/>
-          <a:chOff x="0" y="0"/>
-          <a:chExt cx="0" cy="0"/>
-        </a:xfrm>
-      </p:grpSpPr>
-      <p:pic>
-        <p:nvPicPr>
-          <p:cNvPr id="4" name="內容版面配置區 3"/>
-          <p:cNvPicPr>
-            <a:picLocks noGrp="1" noChangeAspect="1"/>
-          </p:cNvPicPr>
-          <p:nvPr>
-            <p:ph idx="1"/>
-          </p:nvPr>
-        </p:nvPicPr>
-        <p:blipFill>
-          <a:blip r:embed="rId2">
-            <a:extLst>
-              <a:ext uri="{28A0092B-C50C-407E-A947-70E740481C1C}">
-                <a14:useLocalDpi xmlns:a14="http://schemas.microsoft.com/office/drawing/2010/main" val="0"/>
-              </a:ext>
-            </a:extLst>
-          </a:blip>
-          <a:stretch>
-            <a:fillRect/>
-          </a:stretch>
-        </p:blipFill>
-        <p:spPr>
-          <a:xfrm>
             <a:off x="179512" y="1844824"/>
             <a:ext cx="8799241" cy="4032448"/>
           </a:xfrm>
@@ -3921,7 +3759,7 @@
 </p:sld>
 </file>
 
-<file path=ppt/slides/slide13.xml><?xml version="1.0" encoding="utf-8"?>
+<file path=ppt/slides/slide11.xml><?xml version="1.0" encoding="utf-8"?>
 <p:sld xmlns:a="http://schemas.openxmlformats.org/drawingml/2006/main" xmlns:r="http://schemas.openxmlformats.org/officeDocument/2006/relationships" xmlns:p="http://schemas.openxmlformats.org/presentationml/2006/main">
   <p:cSld>
     <p:spTree>
@@ -4015,7 +3853,7 @@
 </p:sld>
 </file>
 
-<file path=ppt/slides/slide14.xml><?xml version="1.0" encoding="utf-8"?>
+<file path=ppt/slides/slide12.xml><?xml version="1.0" encoding="utf-8"?>
 <p:sld xmlns:a="http://schemas.openxmlformats.org/drawingml/2006/main" xmlns:r="http://schemas.openxmlformats.org/officeDocument/2006/relationships" xmlns:p="http://schemas.openxmlformats.org/presentationml/2006/main">
   <p:cSld>
     <p:spTree>
@@ -4116,7 +3954,7 @@
 </p:sld>
 </file>
 
-<file path=ppt/slides/slide15.xml><?xml version="1.0" encoding="utf-8"?>
+<file path=ppt/slides/slide13.xml><?xml version="1.0" encoding="utf-8"?>
 <p:sld xmlns:a="http://schemas.openxmlformats.org/drawingml/2006/main" xmlns:r="http://schemas.openxmlformats.org/officeDocument/2006/relationships" xmlns:p="http://schemas.openxmlformats.org/presentationml/2006/main">
   <p:cSld>
     <p:spTree>
@@ -4211,7 +4049,7 @@
 </p:sld>
 </file>
 
-<file path=ppt/slides/slide16.xml><?xml version="1.0" encoding="utf-8"?>
+<file path=ppt/slides/slide14.xml><?xml version="1.0" encoding="utf-8"?>
 <p:sld xmlns:a="http://schemas.openxmlformats.org/drawingml/2006/main" xmlns:r="http://schemas.openxmlformats.org/officeDocument/2006/relationships" xmlns:p="http://schemas.openxmlformats.org/presentationml/2006/main">
   <p:cSld>
     <p:spTree>
@@ -4378,7 +4216,7 @@
 </p:sld>
 </file>
 
-<file path=ppt/slides/slide17.xml><?xml version="1.0" encoding="utf-8"?>
+<file path=ppt/slides/slide15.xml><?xml version="1.0" encoding="utf-8"?>
 <p:sld xmlns:a="http://schemas.openxmlformats.org/drawingml/2006/main" xmlns:r="http://schemas.openxmlformats.org/officeDocument/2006/relationships" xmlns:p="http://schemas.openxmlformats.org/presentationml/2006/main">
   <p:cSld>
     <p:spTree>
@@ -5029,126 +4867,7 @@
                 </a:solidFill>
                 <a:latin typeface="+mn-lt"/>
               </a:rPr>
-              <a:t>model-A</a:t>
-            </a:r>
-            <a:endParaRPr lang="zh-TW" altLang="en-US" sz="4800" b="1" dirty="0">
-              <a:solidFill>
-                <a:srgbClr val="FFC000"/>
-              </a:solidFill>
-              <a:latin typeface="+mn-lt"/>
-            </a:endParaRPr>
-          </a:p>
-        </p:txBody>
-      </p:sp>
-      <p:pic>
-        <p:nvPicPr>
-          <p:cNvPr id="7" name="內容版面配置區 6"/>
-          <p:cNvPicPr>
-            <a:picLocks noGrp="1" noChangeAspect="1"/>
-          </p:cNvPicPr>
-          <p:nvPr>
-            <p:ph idx="1"/>
-          </p:nvPr>
-        </p:nvPicPr>
-        <p:blipFill>
-          <a:blip r:embed="rId2" cstate="print">
-            <a:extLst>
-              <a:ext uri="{28A0092B-C50C-407E-A947-70E740481C1C}">
-                <a14:useLocalDpi xmlns:a14="http://schemas.microsoft.com/office/drawing/2010/main" val="0"/>
-              </a:ext>
-            </a:extLst>
-          </a:blip>
-          <a:stretch>
-            <a:fillRect/>
-          </a:stretch>
-        </p:blipFill>
-        <p:spPr>
-          <a:xfrm rot="16200000">
-            <a:off x="1313639" y="422665"/>
-            <a:ext cx="5076563" cy="6768751"/>
-          </a:xfrm>
-        </p:spPr>
-      </p:pic>
-    </p:spTree>
-    <p:extLst>
-      <p:ext uri="{BB962C8B-B14F-4D97-AF65-F5344CB8AC3E}">
-        <p14:creationId xmlns:p14="http://schemas.microsoft.com/office/powerpoint/2010/main" val="1323563329"/>
-      </p:ext>
-    </p:extLst>
-  </p:cSld>
-  <p:clrMapOvr>
-    <a:masterClrMapping/>
-  </p:clrMapOvr>
-  <p:timing>
-    <p:tnLst>
-      <p:par>
-        <p:cTn id="1" dur="indefinite" restart="never" nodeType="tmRoot"/>
-      </p:par>
-    </p:tnLst>
-  </p:timing>
-</p:sld>
-</file>
-
-<file path=ppt/slides/slide5.xml><?xml version="1.0" encoding="utf-8"?>
-<p:sld xmlns:a="http://schemas.openxmlformats.org/drawingml/2006/main" xmlns:r="http://schemas.openxmlformats.org/officeDocument/2006/relationships" xmlns:p="http://schemas.openxmlformats.org/presentationml/2006/main">
-  <p:cSld>
-    <p:spTree>
-      <p:nvGrpSpPr>
-        <p:cNvPr id="1" name=""/>
-        <p:cNvGrpSpPr/>
-        <p:nvPr/>
-      </p:nvGrpSpPr>
-      <p:grpSpPr>
-        <a:xfrm>
-          <a:off x="0" y="0"/>
-          <a:ext cx="0" cy="0"/>
-          <a:chOff x="0" y="0"/>
-          <a:chExt cx="0" cy="0"/>
-        </a:xfrm>
-      </p:grpSpPr>
-      <p:sp>
-        <p:nvSpPr>
-          <p:cNvPr id="2" name="標題 1"/>
-          <p:cNvSpPr>
-            <a:spLocks noGrp="1"/>
-          </p:cNvSpPr>
-          <p:nvPr>
-            <p:ph type="title"/>
-          </p:nvPr>
-        </p:nvSpPr>
-        <p:spPr/>
-        <p:txBody>
-          <a:bodyPr>
-            <a:normAutofit/>
-          </a:bodyPr>
-          <a:lstStyle/>
-          <a:p>
-            <a:r>
-              <a:rPr lang="en-US" altLang="zh-TW" sz="4800" b="1" dirty="0" smtClean="0">
-                <a:solidFill>
-                  <a:srgbClr val="FFC000"/>
-                </a:solidFill>
-                <a:latin typeface="+mn-lt"/>
-              </a:rPr>
-              <a:t>ER</a:t>
-            </a:r>
-            <a:r>
-              <a:rPr lang="zh-TW" altLang="en-US" sz="4800" b="1" dirty="0" smtClean="0">
-                <a:solidFill>
-                  <a:srgbClr val="FFC000"/>
-                </a:solidFill>
-                <a:latin typeface="+mn-lt"/>
-              </a:rPr>
-              <a:t> </a:t>
-            </a:r>
-            <a:r>
-              <a:rPr lang="en-US" altLang="zh-TW" sz="4800" b="1" dirty="0" smtClean="0">
-                <a:solidFill>
-                  <a:srgbClr val="FFC000"/>
-                </a:solidFill>
-                <a:latin typeface="+mn-lt"/>
-              </a:rPr>
-              <a:t>model-B</a:t>
+              <a:t>model</a:t>
             </a:r>
             <a:endParaRPr lang="zh-TW" altLang="en-US" sz="4800" b="1" dirty="0">
               <a:solidFill>
@@ -5208,7 +4927,7 @@
 </p:sld>
 </file>
 
-<file path=ppt/slides/slide6.xml><?xml version="1.0" encoding="utf-8"?>
+<file path=ppt/slides/slide5.xml><?xml version="1.0" encoding="utf-8"?>
 <p:sld xmlns:a="http://schemas.openxmlformats.org/drawingml/2006/main" xmlns:r="http://schemas.openxmlformats.org/officeDocument/2006/relationships" xmlns:p="http://schemas.openxmlformats.org/presentationml/2006/main">
   <p:cSld>
     <p:spTree>
@@ -5258,117 +4977,7 @@
                 </a:solidFill>
                 <a:latin typeface="+mn-lt"/>
               </a:rPr>
-              <a:t>model-A</a:t>
-            </a:r>
-            <a:endParaRPr lang="zh-TW" altLang="en-US" sz="4800" b="1" dirty="0">
-              <a:solidFill>
-                <a:srgbClr val="FFC000"/>
-              </a:solidFill>
-              <a:latin typeface="+mn-lt"/>
-            </a:endParaRPr>
-          </a:p>
-        </p:txBody>
-      </p:sp>
-      <p:pic>
-        <p:nvPicPr>
-          <p:cNvPr id="4" name="內容版面配置區 3"/>
-          <p:cNvPicPr>
-            <a:picLocks noGrp="1" noChangeAspect="1"/>
-          </p:cNvPicPr>
-          <p:nvPr>
-            <p:ph idx="1"/>
-          </p:nvPr>
-        </p:nvPicPr>
-        <p:blipFill>
-          <a:blip r:embed="rId2" cstate="print">
-            <a:extLst>
-              <a:ext uri="{28A0092B-C50C-407E-A947-70E740481C1C}">
-                <a14:useLocalDpi xmlns:a14="http://schemas.microsoft.com/office/drawing/2010/main" val="0"/>
-              </a:ext>
-            </a:extLst>
-          </a:blip>
-          <a:stretch>
-            <a:fillRect/>
-          </a:stretch>
-        </p:blipFill>
-        <p:spPr>
-          <a:xfrm rot="16200000">
-            <a:off x="1340642" y="395662"/>
-            <a:ext cx="5238581" cy="6984775"/>
-          </a:xfrm>
-        </p:spPr>
-      </p:pic>
-    </p:spTree>
-    <p:extLst>
-      <p:ext uri="{BB962C8B-B14F-4D97-AF65-F5344CB8AC3E}">
-        <p14:creationId xmlns:p14="http://schemas.microsoft.com/office/powerpoint/2010/main" val="707971336"/>
-      </p:ext>
-    </p:extLst>
-  </p:cSld>
-  <p:clrMapOvr>
-    <a:masterClrMapping/>
-  </p:clrMapOvr>
-  <p:timing>
-    <p:tnLst>
-      <p:par>
-        <p:cTn id="1" dur="indefinite" restart="never" nodeType="tmRoot"/>
-      </p:par>
-    </p:tnLst>
-  </p:timing>
-</p:sld>
-</file>
-
-<file path=ppt/slides/slide7.xml><?xml version="1.0" encoding="utf-8"?>
-<p:sld xmlns:a="http://schemas.openxmlformats.org/drawingml/2006/main" xmlns:r="http://schemas.openxmlformats.org/officeDocument/2006/relationships" xmlns:p="http://schemas.openxmlformats.org/presentationml/2006/main">
-  <p:cSld>
-    <p:spTree>
-      <p:nvGrpSpPr>
-        <p:cNvPr id="1" name=""/>
-        <p:cNvGrpSpPr/>
-        <p:nvPr/>
-      </p:nvGrpSpPr>
-      <p:grpSpPr>
-        <a:xfrm>
-          <a:off x="0" y="0"/>
-          <a:ext cx="0" cy="0"/>
-          <a:chOff x="0" y="0"/>
-          <a:chExt cx="0" cy="0"/>
-        </a:xfrm>
-      </p:grpSpPr>
-      <p:sp>
-        <p:nvSpPr>
-          <p:cNvPr id="2" name="標題 1"/>
-          <p:cNvSpPr>
-            <a:spLocks noGrp="1"/>
-          </p:cNvSpPr>
-          <p:nvPr>
-            <p:ph type="title"/>
-          </p:nvPr>
-        </p:nvSpPr>
-        <p:spPr/>
-        <p:txBody>
-          <a:bodyPr>
-            <a:normAutofit/>
-          </a:bodyPr>
-          <a:lstStyle/>
-          <a:p>
-            <a:r>
-              <a:rPr lang="en-US" altLang="zh-TW" sz="4800" b="1" dirty="0" smtClean="0">
-                <a:solidFill>
-                  <a:srgbClr val="FFC000"/>
-                </a:solidFill>
-                <a:latin typeface="+mn-lt"/>
-              </a:rPr>
-              <a:t>Relational </a:t>
-            </a:r>
-            <a:r>
-              <a:rPr lang="en-US" altLang="zh-TW" sz="4800" b="1" dirty="0" smtClean="0">
-                <a:solidFill>
-                  <a:srgbClr val="FFC000"/>
-                </a:solidFill>
-                <a:latin typeface="+mn-lt"/>
-              </a:rPr>
-              <a:t>model-B</a:t>
+              <a:t>model</a:t>
             </a:r>
             <a:endParaRPr lang="zh-TW" altLang="en-US" sz="4800" b="1" dirty="0">
               <a:solidFill>
@@ -5465,7 +5074,7 @@
 </p:sld>
 </file>
 
-<file path=ppt/slides/slide8.xml><?xml version="1.0" encoding="utf-8"?>
+<file path=ppt/slides/slide6.xml><?xml version="1.0" encoding="utf-8"?>
 <p:sld xmlns:a="http://schemas.openxmlformats.org/drawingml/2006/main" xmlns:r="http://schemas.openxmlformats.org/officeDocument/2006/relationships" xmlns:p="http://schemas.openxmlformats.org/presentationml/2006/main">
   <p:cSld>
     <p:spTree>
@@ -5566,7 +5175,7 @@
 </p:sld>
 </file>
 
-<file path=ppt/slides/slide9.xml><?xml version="1.0" encoding="utf-8"?>
+<file path=ppt/slides/slide7.xml><?xml version="1.0" encoding="utf-8"?>
 <p:sld xmlns:a="http://schemas.openxmlformats.org/drawingml/2006/main" xmlns:r="http://schemas.openxmlformats.org/officeDocument/2006/relationships" xmlns:p="http://schemas.openxmlformats.org/presentationml/2006/main">
   <p:cSld>
     <p:spTree>
@@ -5622,6 +5231,166 @@
   <p:clrMapOvr>
     <a:masterClrMapping/>
   </p:clrMapOvr>
+</p:sld>
+</file>
+
+<file path=ppt/slides/slide8.xml><?xml version="1.0" encoding="utf-8"?>
+<p:sld xmlns:a="http://schemas.openxmlformats.org/drawingml/2006/main" xmlns:r="http://schemas.openxmlformats.org/officeDocument/2006/relationships" xmlns:p="http://schemas.openxmlformats.org/presentationml/2006/main">
+  <p:cSld>
+    <p:spTree>
+      <p:nvGrpSpPr>
+        <p:cNvPr id="1" name=""/>
+        <p:cNvGrpSpPr/>
+        <p:nvPr/>
+      </p:nvGrpSpPr>
+      <p:grpSpPr>
+        <a:xfrm>
+          <a:off x="0" y="0"/>
+          <a:ext cx="0" cy="0"/>
+          <a:chOff x="0" y="0"/>
+          <a:chExt cx="0" cy="0"/>
+        </a:xfrm>
+      </p:grpSpPr>
+      <p:pic>
+        <p:nvPicPr>
+          <p:cNvPr id="4" name="內容版面配置區 3"/>
+          <p:cNvPicPr>
+            <a:picLocks noGrp="1" noChangeAspect="1"/>
+          </p:cNvPicPr>
+          <p:nvPr>
+            <p:ph idx="1"/>
+          </p:nvPr>
+        </p:nvPicPr>
+        <p:blipFill>
+          <a:blip r:embed="rId2">
+            <a:extLst>
+              <a:ext uri="{28A0092B-C50C-407E-A947-70E740481C1C}">
+                <a14:useLocalDpi xmlns:a14="http://schemas.microsoft.com/office/drawing/2010/main" val="0"/>
+              </a:ext>
+            </a:extLst>
+          </a:blip>
+          <a:stretch>
+            <a:fillRect/>
+          </a:stretch>
+        </p:blipFill>
+        <p:spPr>
+          <a:xfrm>
+            <a:off x="179512" y="1772816"/>
+            <a:ext cx="8771188" cy="3960440"/>
+          </a:xfrm>
+        </p:spPr>
+      </p:pic>
+    </p:spTree>
+    <p:extLst>
+      <p:ext uri="{BB962C8B-B14F-4D97-AF65-F5344CB8AC3E}">
+        <p14:creationId xmlns:p14="http://schemas.microsoft.com/office/powerpoint/2010/main" val="2461739701"/>
+      </p:ext>
+    </p:extLst>
+  </p:cSld>
+  <p:clrMapOvr>
+    <a:masterClrMapping/>
+  </p:clrMapOvr>
+  <p:timing>
+    <p:tnLst>
+      <p:par>
+        <p:cTn id="1" dur="indefinite" restart="never" nodeType="tmRoot"/>
+      </p:par>
+    </p:tnLst>
+  </p:timing>
+</p:sld>
+</file>
+
+<file path=ppt/slides/slide9.xml><?xml version="1.0" encoding="utf-8"?>
+<p:sld xmlns:a="http://schemas.openxmlformats.org/drawingml/2006/main" xmlns:r="http://schemas.openxmlformats.org/officeDocument/2006/relationships" xmlns:p="http://schemas.openxmlformats.org/presentationml/2006/main">
+  <p:cSld>
+    <p:spTree>
+      <p:nvGrpSpPr>
+        <p:cNvPr id="1" name=""/>
+        <p:cNvGrpSpPr/>
+        <p:nvPr/>
+      </p:nvGrpSpPr>
+      <p:grpSpPr>
+        <a:xfrm>
+          <a:off x="0" y="0"/>
+          <a:ext cx="0" cy="0"/>
+          <a:chOff x="0" y="0"/>
+          <a:chExt cx="0" cy="0"/>
+        </a:xfrm>
+      </p:grpSpPr>
+      <p:sp>
+        <p:nvSpPr>
+          <p:cNvPr id="2" name="標題 1"/>
+          <p:cNvSpPr>
+            <a:spLocks noGrp="1"/>
+          </p:cNvSpPr>
+          <p:nvPr>
+            <p:ph type="title"/>
+          </p:nvPr>
+        </p:nvSpPr>
+        <p:spPr/>
+        <p:txBody>
+          <a:bodyPr>
+            <a:normAutofit/>
+          </a:bodyPr>
+          <a:lstStyle/>
+          <a:p>
+            <a:r>
+              <a:rPr lang="zh-TW" altLang="en-US" sz="4800" b="1" dirty="0">
+                <a:solidFill>
+                  <a:srgbClr val="FFC000"/>
+                </a:solidFill>
+              </a:rPr>
+              <a:t>前端頁面</a:t>
+            </a:r>
+          </a:p>
+        </p:txBody>
+      </p:sp>
+      <p:pic>
+        <p:nvPicPr>
+          <p:cNvPr id="4" name="內容版面配置區 3"/>
+          <p:cNvPicPr>
+            <a:picLocks noGrp="1" noChangeAspect="1"/>
+          </p:cNvPicPr>
+          <p:nvPr>
+            <p:ph idx="1"/>
+          </p:nvPr>
+        </p:nvPicPr>
+        <p:blipFill>
+          <a:blip r:embed="rId2">
+            <a:extLst>
+              <a:ext uri="{28A0092B-C50C-407E-A947-70E740481C1C}">
+                <a14:useLocalDpi xmlns:a14="http://schemas.microsoft.com/office/drawing/2010/main" val="0"/>
+              </a:ext>
+            </a:extLst>
+          </a:blip>
+          <a:stretch>
+            <a:fillRect/>
+          </a:stretch>
+        </p:blipFill>
+        <p:spPr>
+          <a:xfrm>
+            <a:off x="179512" y="1700808"/>
+            <a:ext cx="8743373" cy="4032448"/>
+          </a:xfrm>
+        </p:spPr>
+      </p:pic>
+    </p:spTree>
+    <p:extLst>
+      <p:ext uri="{BB962C8B-B14F-4D97-AF65-F5344CB8AC3E}">
+        <p14:creationId xmlns:p14="http://schemas.microsoft.com/office/powerpoint/2010/main" val="2069369453"/>
+      </p:ext>
+    </p:extLst>
+  </p:cSld>
+  <p:clrMapOvr>
+    <a:masterClrMapping/>
+  </p:clrMapOvr>
+  <p:timing>
+    <p:tnLst>
+      <p:par>
+        <p:cTn id="1" dur="indefinite" restart="never" nodeType="tmRoot"/>
+      </p:par>
+    </p:tnLst>
+  </p:timing>
 </p:sld>
 </file>
 
